--- a/01 - PROJECT WARMUP/Next_Word_Predictor_Team_The_Prognosticators.pptx
+++ b/01 - PROJECT WARMUP/Next_Word_Predictor_Team_The_Prognosticators.pptx
@@ -268,7 +268,7 @@
           <a:p>
             <a:fld id="{2F3E8B1C-86EF-43CF-8304-249481088644}" type="datetimeFigureOut">
               <a:rPr lang="en-US" smtClean="0"/>
-              <a:t>2/2/2021</a:t>
+              <a:t>2/1/2021</a:t>
             </a:fld>
             <a:endParaRPr lang="en-US"/>
           </a:p>
@@ -466,7 +466,7 @@
           <a:p>
             <a:fld id="{2F3E8B1C-86EF-43CF-8304-249481088644}" type="datetimeFigureOut">
               <a:rPr lang="en-US" smtClean="0"/>
-              <a:t>2/2/2021</a:t>
+              <a:t>2/1/2021</a:t>
             </a:fld>
             <a:endParaRPr lang="en-US"/>
           </a:p>
@@ -674,7 +674,7 @@
           <a:p>
             <a:fld id="{2F3E8B1C-86EF-43CF-8304-249481088644}" type="datetimeFigureOut">
               <a:rPr lang="en-US" smtClean="0"/>
-              <a:t>2/2/2021</a:t>
+              <a:t>2/1/2021</a:t>
             </a:fld>
             <a:endParaRPr lang="en-US"/>
           </a:p>
@@ -872,7 +872,7 @@
           <a:p>
             <a:fld id="{2F3E8B1C-86EF-43CF-8304-249481088644}" type="datetimeFigureOut">
               <a:rPr lang="en-US" smtClean="0"/>
-              <a:t>2/2/2021</a:t>
+              <a:t>2/1/2021</a:t>
             </a:fld>
             <a:endParaRPr lang="en-US"/>
           </a:p>
@@ -1147,7 +1147,7 @@
           <a:p>
             <a:fld id="{2F3E8B1C-86EF-43CF-8304-249481088644}" type="datetimeFigureOut">
               <a:rPr lang="en-US" smtClean="0"/>
-              <a:t>2/2/2021</a:t>
+              <a:t>2/1/2021</a:t>
             </a:fld>
             <a:endParaRPr lang="en-US"/>
           </a:p>
@@ -1417,7 +1417,7 @@
           <a:p>
             <a:fld id="{2F3E8B1C-86EF-43CF-8304-249481088644}" type="datetimeFigureOut">
               <a:rPr lang="en-US" smtClean="0"/>
-              <a:t>2/2/2021</a:t>
+              <a:t>2/1/2021</a:t>
             </a:fld>
             <a:endParaRPr lang="en-US"/>
           </a:p>
@@ -1837,7 +1837,7 @@
           <a:p>
             <a:fld id="{2F3E8B1C-86EF-43CF-8304-249481088644}" type="datetimeFigureOut">
               <a:rPr lang="en-US" smtClean="0"/>
-              <a:t>2/2/2021</a:t>
+              <a:t>2/1/2021</a:t>
             </a:fld>
             <a:endParaRPr lang="en-US"/>
           </a:p>
@@ -1978,7 +1978,7 @@
           <a:p>
             <a:fld id="{2F3E8B1C-86EF-43CF-8304-249481088644}" type="datetimeFigureOut">
               <a:rPr lang="en-US" smtClean="0"/>
-              <a:t>2/2/2021</a:t>
+              <a:t>2/1/2021</a:t>
             </a:fld>
             <a:endParaRPr lang="en-US"/>
           </a:p>
@@ -2091,7 +2091,7 @@
           <a:p>
             <a:fld id="{2F3E8B1C-86EF-43CF-8304-249481088644}" type="datetimeFigureOut">
               <a:rPr lang="en-US" smtClean="0"/>
-              <a:t>2/2/2021</a:t>
+              <a:t>2/1/2021</a:t>
             </a:fld>
             <a:endParaRPr lang="en-US"/>
           </a:p>
@@ -2402,7 +2402,7 @@
           <a:p>
             <a:fld id="{2F3E8B1C-86EF-43CF-8304-249481088644}" type="datetimeFigureOut">
               <a:rPr lang="en-US" smtClean="0"/>
-              <a:t>2/2/2021</a:t>
+              <a:t>2/1/2021</a:t>
             </a:fld>
             <a:endParaRPr lang="en-US"/>
           </a:p>
@@ -2690,7 +2690,7 @@
           <a:p>
             <a:fld id="{2F3E8B1C-86EF-43CF-8304-249481088644}" type="datetimeFigureOut">
               <a:rPr lang="en-US" smtClean="0"/>
-              <a:t>2/2/2021</a:t>
+              <a:t>2/1/2021</a:t>
             </a:fld>
             <a:endParaRPr lang="en-US"/>
           </a:p>
@@ -2931,7 +2931,7 @@
             <a:fld id="{2F3E8B1C-86EF-43CF-8304-249481088644}" type="datetimeFigureOut">
               <a:rPr lang="en-US" smtClean="0"/>
               <a:pPr/>
-              <a:t>2/2/2021</a:t>
+              <a:t>2/1/2021</a:t>
             </a:fld>
             <a:endParaRPr lang="en-US" dirty="0"/>
           </a:p>
@@ -3570,7 +3570,14 @@
             </a:br>
             <a:r>
               <a:rPr lang="en-US" sz="1800" dirty="0"/>
-              <a:t>Roshandeep Singh Saini - 100766638</a:t>
+              <a:t>Roshandeep Singh Saini – 100766638</a:t>
+            </a:r>
+            <a:br>
+              <a:rPr lang="en-US" sz="1800" dirty="0"/>
+            </a:br>
+            <a:r>
+              <a:rPr lang="en-US" sz="1800" dirty="0"/>
+              <a:t>Aslaf Ahmed Shaikh - 100768232</a:t>
             </a:r>
             <a:br>
               <a:rPr lang="en-US" sz="1800" dirty="0"/>
